--- a/slides/django_layout.pptx
+++ b/slides/django_layout.pptx
@@ -5,11 +5,12 @@
     <p:sldMasterId id="2147483648" r:id="rId1"/>
   </p:sldMasterIdLst>
   <p:notesMasterIdLst>
-    <p:notesMasterId r:id="rId4"/>
+    <p:notesMasterId r:id="rId5"/>
   </p:notesMasterIdLst>
   <p:sldIdLst>
-    <p:sldId id="257" r:id="rId2"/>
-    <p:sldId id="256" r:id="rId3"/>
+    <p:sldId id="258" r:id="rId2"/>
+    <p:sldId id="257" r:id="rId3"/>
+    <p:sldId id="256" r:id="rId4"/>
   </p:sldIdLst>
   <p:sldSz cx="12192000" cy="6858000"/>
   <p:notesSz cx="6858000" cy="9144000"/>
@@ -108,6 +109,11 @@
       </a:defRPr>
     </a:lvl9pPr>
   </p:defaultTextStyle>
+  <p:extLst>
+    <p:ext uri="{EFAFB233-063F-42B5-8137-9DF3F51BA10A}">
+      <p15:sldGuideLst xmlns:p15="http://schemas.microsoft.com/office/powerpoint/2012/main"/>
+    </p:ext>
+  </p:extLst>
 </p:presentation>
 </file>
 
@@ -3320,6 +3326,85 @@
       </p:grpSpPr>
       <p:sp>
         <p:nvSpPr>
+          <p:cNvPr id="4" name="Title 3"/>
+          <p:cNvSpPr>
+            <a:spLocks noGrp="1"/>
+          </p:cNvSpPr>
+          <p:nvPr>
+            <p:ph type="ctrTitle"/>
+          </p:nvPr>
+        </p:nvSpPr>
+        <p:spPr/>
+        <p:txBody>
+          <a:bodyPr/>
+          <a:lstStyle/>
+          <a:p>
+            <a:r>
+              <a:rPr lang="en-US" dirty="0" smtClean="0"/>
+              <a:t>Django Server Shape</a:t>
+            </a:r>
+            <a:endParaRPr lang="en-US" dirty="0"/>
+          </a:p>
+        </p:txBody>
+      </p:sp>
+      <p:sp>
+        <p:nvSpPr>
+          <p:cNvPr id="5" name="Subtitle 4"/>
+          <p:cNvSpPr>
+            <a:spLocks noGrp="1"/>
+          </p:cNvSpPr>
+          <p:nvPr>
+            <p:ph type="subTitle" idx="1"/>
+          </p:nvPr>
+        </p:nvSpPr>
+        <p:spPr/>
+        <p:txBody>
+          <a:bodyPr/>
+          <a:lstStyle/>
+          <a:p>
+            <a:r>
+              <a:rPr lang="en-US" dirty="0"/>
+              <a:t>https://www.dj4e.com/slides/</a:t>
+            </a:r>
+            <a:r>
+              <a:rPr lang="en-US"/>
+              <a:t>django_layout.pptx</a:t>
+            </a:r>
+          </a:p>
+        </p:txBody>
+      </p:sp>
+    </p:spTree>
+    <p:extLst>
+      <p:ext uri="{BB962C8B-B14F-4D97-AF65-F5344CB8AC3E}">
+        <p14:creationId xmlns:p14="http://schemas.microsoft.com/office/powerpoint/2010/main" val="791658913"/>
+      </p:ext>
+    </p:extLst>
+  </p:cSld>
+  <p:clrMapOvr>
+    <a:masterClrMapping/>
+  </p:clrMapOvr>
+</p:sld>
+</file>
+
+<file path=ppt/slides/slide2.xml><?xml version="1.0" encoding="utf-8"?>
+<p:sld xmlns:a="http://schemas.openxmlformats.org/drawingml/2006/main" xmlns:r="http://schemas.openxmlformats.org/officeDocument/2006/relationships" xmlns:p="http://schemas.openxmlformats.org/presentationml/2006/main">
+  <p:cSld>
+    <p:spTree>
+      <p:nvGrpSpPr>
+        <p:cNvPr id="1" name=""/>
+        <p:cNvGrpSpPr/>
+        <p:nvPr/>
+      </p:nvGrpSpPr>
+      <p:grpSpPr>
+        <a:xfrm>
+          <a:off x="0" y="0"/>
+          <a:ext cx="0" cy="0"/>
+          <a:chOff x="0" y="0"/>
+          <a:chExt cx="0" cy="0"/>
+        </a:xfrm>
+      </p:grpSpPr>
+      <p:sp>
+        <p:nvSpPr>
           <p:cNvPr id="4" name="Rectangle 3"/>
           <p:cNvSpPr/>
           <p:nvPr/>
@@ -4649,7 +4734,7 @@
 </p:sld>
 </file>
 
-<file path=ppt/slides/slide2.xml><?xml version="1.0" encoding="utf-8"?>
+<file path=ppt/slides/slide3.xml><?xml version="1.0" encoding="utf-8"?>
 <p:sld xmlns:a="http://schemas.openxmlformats.org/drawingml/2006/main" xmlns:r="http://schemas.openxmlformats.org/officeDocument/2006/relationships" xmlns:p="http://schemas.openxmlformats.org/presentationml/2006/main">
   <p:cSld>
     <p:spTree>

--- a/slides/django_layout.pptx
+++ b/slides/django_layout.pptx
@@ -5,12 +5,13 @@
     <p:sldMasterId id="2147483648" r:id="rId1"/>
   </p:sldMasterIdLst>
   <p:notesMasterIdLst>
-    <p:notesMasterId r:id="rId5"/>
+    <p:notesMasterId r:id="rId6"/>
   </p:notesMasterIdLst>
   <p:sldIdLst>
     <p:sldId id="258" r:id="rId2"/>
     <p:sldId id="257" r:id="rId3"/>
     <p:sldId id="256" r:id="rId4"/>
+    <p:sldId id="259" r:id="rId5"/>
   </p:sldIdLst>
   <p:sldSz cx="12192000" cy="6858000"/>
   <p:notesSz cx="6858000" cy="9144000"/>
@@ -3363,13 +3364,36 @@
           <a:lstStyle/>
           <a:p>
             <a:r>
-              <a:rPr lang="en-US" dirty="0"/>
-              <a:t>https://www.dj4e.com/slides/</a:t>
-            </a:r>
-            <a:r>
-              <a:rPr lang="en-US"/>
-              <a:t>django_layout.pptx</a:t>
-            </a:r>
+              <a:rPr lang="en-US" dirty="0">
+                <a:hlinkClick r:id="rId2"/>
+              </a:rPr>
+              <a:t>https://</a:t>
+            </a:r>
+            <a:r>
+              <a:rPr lang="en-US" dirty="0" smtClean="0">
+                <a:hlinkClick r:id="rId2"/>
+              </a:rPr>
+              <a:t>www.dj4e.com/slides/django_layout.pptx</a:t>
+            </a:r>
+            <a:endParaRPr lang="en-US" dirty="0" smtClean="0"/>
+          </a:p>
+          <a:p>
+            <a:r>
+              <a:rPr lang="en-US" dirty="0">
+                <a:hlinkClick r:id="rId3"/>
+              </a:rPr>
+              <a:t>https://github.com/django/django</a:t>
+            </a:r>
+            <a:r>
+              <a:rPr lang="en-US" dirty="0" smtClean="0">
+                <a:hlinkClick r:id="rId3"/>
+              </a:rPr>
+              <a:t>/</a:t>
+            </a:r>
+            <a:endParaRPr lang="en-US" dirty="0" smtClean="0"/>
+          </a:p>
+          <a:p>
+            <a:endParaRPr lang="en-US" dirty="0"/>
           </a:p>
         </p:txBody>
       </p:sp>
@@ -6253,6 +6277,50 @@
           </a:fontRef>
         </p:style>
       </p:cxnSp>
+      <p:sp>
+        <p:nvSpPr>
+          <p:cNvPr id="29" name="Rectangle 28"/>
+          <p:cNvSpPr/>
+          <p:nvPr/>
+        </p:nvSpPr>
+        <p:spPr>
+          <a:xfrm>
+            <a:off x="348711" y="146405"/>
+            <a:ext cx="8330338" cy="6502275"/>
+          </a:xfrm>
+          <a:prstGeom prst="rect">
+            <a:avLst/>
+          </a:prstGeom>
+        </p:spPr>
+        <p:style>
+          <a:lnRef idx="2">
+            <a:schemeClr val="accent1">
+              <a:shade val="50000"/>
+            </a:schemeClr>
+          </a:lnRef>
+          <a:fillRef idx="1">
+            <a:schemeClr val="accent1"/>
+          </a:fillRef>
+          <a:effectRef idx="0">
+            <a:schemeClr val="accent1"/>
+          </a:effectRef>
+          <a:fontRef idx="minor">
+            <a:schemeClr val="lt1"/>
+          </a:fontRef>
+        </p:style>
+        <p:txBody>
+          <a:bodyPr rtlCol="0" anchor="ctr"/>
+          <a:lstStyle/>
+          <a:p>
+            <a:pPr algn="ctr"/>
+            <a:r>
+              <a:rPr lang="en-US" sz="9600" smtClean="0"/>
+              <a:t>DJango</a:t>
+            </a:r>
+            <a:endParaRPr lang="en-US" sz="9600" dirty="0" smtClean="0"/>
+          </a:p>
+        </p:txBody>
+      </p:sp>
     </p:spTree>
     <p:extLst>
       <p:ext uri="{BB962C8B-B14F-4D97-AF65-F5344CB8AC3E}">
@@ -6263,6 +6331,1557 @@
   <p:clrMapOvr>
     <a:masterClrMapping/>
   </p:clrMapOvr>
+  <p:timing>
+    <p:tnLst>
+      <p:par>
+        <p:cTn id="1" dur="indefinite" restart="never" nodeType="tmRoot"/>
+      </p:par>
+    </p:tnLst>
+  </p:timing>
+</p:sld>
+</file>
+
+<file path=ppt/slides/slide4.xml><?xml version="1.0" encoding="utf-8"?>
+<p:sld xmlns:a="http://schemas.openxmlformats.org/drawingml/2006/main" xmlns:r="http://schemas.openxmlformats.org/officeDocument/2006/relationships" xmlns:p="http://schemas.openxmlformats.org/presentationml/2006/main">
+  <p:cSld>
+    <p:spTree>
+      <p:nvGrpSpPr>
+        <p:cNvPr id="1" name=""/>
+        <p:cNvGrpSpPr/>
+        <p:nvPr/>
+      </p:nvGrpSpPr>
+      <p:grpSpPr>
+        <a:xfrm>
+          <a:off x="0" y="0"/>
+          <a:ext cx="0" cy="0"/>
+          <a:chOff x="0" y="0"/>
+          <a:chExt cx="0" cy="0"/>
+        </a:xfrm>
+      </p:grpSpPr>
+      <p:sp>
+        <p:nvSpPr>
+          <p:cNvPr id="4" name="Rectangle 3"/>
+          <p:cNvSpPr/>
+          <p:nvPr/>
+        </p:nvSpPr>
+        <p:spPr>
+          <a:xfrm>
+            <a:off x="3120324" y="2138766"/>
+            <a:ext cx="1239865" cy="1319941"/>
+          </a:xfrm>
+          <a:prstGeom prst="rect">
+            <a:avLst/>
+          </a:prstGeom>
+        </p:spPr>
+        <p:style>
+          <a:lnRef idx="2">
+            <a:schemeClr val="accent1">
+              <a:shade val="50000"/>
+            </a:schemeClr>
+          </a:lnRef>
+          <a:fillRef idx="1">
+            <a:schemeClr val="accent1"/>
+          </a:fillRef>
+          <a:effectRef idx="0">
+            <a:schemeClr val="accent1"/>
+          </a:effectRef>
+          <a:fontRef idx="minor">
+            <a:schemeClr val="lt1"/>
+          </a:fontRef>
+        </p:style>
+        <p:txBody>
+          <a:bodyPr rtlCol="0" anchor="ctr"/>
+          <a:lstStyle/>
+          <a:p>
+            <a:pPr algn="ctr"/>
+            <a:r>
+              <a:rPr lang="en-US" dirty="0" smtClean="0"/>
+              <a:t>Operating</a:t>
+            </a:r>
+          </a:p>
+          <a:p>
+            <a:pPr algn="ctr"/>
+            <a:r>
+              <a:rPr lang="en-US" dirty="0" smtClean="0"/>
+              <a:t>System</a:t>
+            </a:r>
+          </a:p>
+          <a:p>
+            <a:pPr algn="ctr"/>
+            <a:endParaRPr lang="en-US" dirty="0"/>
+          </a:p>
+          <a:p>
+            <a:pPr algn="ctr"/>
+            <a:r>
+              <a:rPr lang="en-US" dirty="0" smtClean="0"/>
+              <a:t>TCP/IP</a:t>
+            </a:r>
+            <a:endParaRPr lang="en-US" dirty="0"/>
+          </a:p>
+        </p:txBody>
+      </p:sp>
+      <p:sp>
+        <p:nvSpPr>
+          <p:cNvPr id="5" name="Rectangle 4"/>
+          <p:cNvSpPr/>
+          <p:nvPr/>
+        </p:nvSpPr>
+        <p:spPr>
+          <a:xfrm>
+            <a:off x="348711" y="2200758"/>
+            <a:ext cx="1201120" cy="1319942"/>
+          </a:xfrm>
+          <a:prstGeom prst="rect">
+            <a:avLst/>
+          </a:prstGeom>
+          <a:solidFill>
+            <a:schemeClr val="accent6">
+              <a:lumMod val="50000"/>
+            </a:schemeClr>
+          </a:solidFill>
+        </p:spPr>
+        <p:style>
+          <a:lnRef idx="2">
+            <a:schemeClr val="accent1">
+              <a:shade val="50000"/>
+            </a:schemeClr>
+          </a:lnRef>
+          <a:fillRef idx="1">
+            <a:schemeClr val="accent1"/>
+          </a:fillRef>
+          <a:effectRef idx="0">
+            <a:schemeClr val="accent1"/>
+          </a:effectRef>
+          <a:fontRef idx="minor">
+            <a:schemeClr val="lt1"/>
+          </a:fontRef>
+        </p:style>
+        <p:txBody>
+          <a:bodyPr rtlCol="0" anchor="ctr"/>
+          <a:lstStyle/>
+          <a:p>
+            <a:pPr algn="ctr"/>
+            <a:r>
+              <a:rPr lang="en-US" dirty="0" smtClean="0"/>
+              <a:t>Browser</a:t>
+            </a:r>
+          </a:p>
+          <a:p>
+            <a:pPr algn="ctr"/>
+            <a:r>
+              <a:rPr lang="en-US" dirty="0" smtClean="0"/>
+              <a:t>Computer</a:t>
+            </a:r>
+          </a:p>
+          <a:p>
+            <a:pPr algn="ctr"/>
+            <a:r>
+              <a:rPr lang="en-US" dirty="0" smtClean="0"/>
+              <a:t>O/S</a:t>
+            </a:r>
+            <a:endParaRPr lang="en-US" dirty="0"/>
+          </a:p>
+        </p:txBody>
+      </p:sp>
+      <p:sp>
+        <p:nvSpPr>
+          <p:cNvPr id="7" name="Rectangle 6"/>
+          <p:cNvSpPr/>
+          <p:nvPr/>
+        </p:nvSpPr>
+        <p:spPr>
+          <a:xfrm>
+            <a:off x="4564250" y="2159434"/>
+            <a:ext cx="1100380" cy="1312188"/>
+          </a:xfrm>
+          <a:prstGeom prst="rect">
+            <a:avLst/>
+          </a:prstGeom>
+        </p:spPr>
+        <p:style>
+          <a:lnRef idx="2">
+            <a:schemeClr val="accent1">
+              <a:shade val="50000"/>
+            </a:schemeClr>
+          </a:lnRef>
+          <a:fillRef idx="1">
+            <a:schemeClr val="accent1"/>
+          </a:fillRef>
+          <a:effectRef idx="0">
+            <a:schemeClr val="accent1"/>
+          </a:effectRef>
+          <a:fontRef idx="minor">
+            <a:schemeClr val="lt1"/>
+          </a:fontRef>
+        </p:style>
+        <p:txBody>
+          <a:bodyPr rtlCol="0" anchor="ctr"/>
+          <a:lstStyle/>
+          <a:p>
+            <a:pPr algn="ctr"/>
+            <a:r>
+              <a:rPr lang="en-US" dirty="0" smtClean="0"/>
+              <a:t>Python</a:t>
+            </a:r>
+          </a:p>
+          <a:p>
+            <a:pPr algn="ctr"/>
+            <a:endParaRPr lang="en-US" dirty="0" smtClean="0"/>
+          </a:p>
+          <a:p>
+            <a:pPr algn="ctr"/>
+            <a:r>
+              <a:rPr lang="en-US" dirty="0" smtClean="0"/>
+              <a:t>sockets</a:t>
+            </a:r>
+            <a:endParaRPr lang="en-US" dirty="0"/>
+          </a:p>
+        </p:txBody>
+      </p:sp>
+      <p:sp>
+        <p:nvSpPr>
+          <p:cNvPr id="8" name="Rectangle 7"/>
+          <p:cNvSpPr/>
+          <p:nvPr/>
+        </p:nvSpPr>
+        <p:spPr>
+          <a:xfrm>
+            <a:off x="5930682" y="638012"/>
+            <a:ext cx="2748367" cy="4336941"/>
+          </a:xfrm>
+          <a:prstGeom prst="rect">
+            <a:avLst/>
+          </a:prstGeom>
+        </p:spPr>
+        <p:style>
+          <a:lnRef idx="2">
+            <a:schemeClr val="accent1">
+              <a:shade val="50000"/>
+            </a:schemeClr>
+          </a:lnRef>
+          <a:fillRef idx="1">
+            <a:schemeClr val="accent1"/>
+          </a:fillRef>
+          <a:effectRef idx="0">
+            <a:schemeClr val="accent1"/>
+          </a:effectRef>
+          <a:fontRef idx="minor">
+            <a:schemeClr val="lt1"/>
+          </a:fontRef>
+        </p:style>
+        <p:txBody>
+          <a:bodyPr rtlCol="0" anchor="t"/>
+          <a:lstStyle/>
+          <a:p>
+            <a:r>
+              <a:rPr lang="en-US" smtClean="0"/>
+              <a:t>DJango</a:t>
+            </a:r>
+            <a:endParaRPr lang="en-US" dirty="0" smtClean="0"/>
+          </a:p>
+        </p:txBody>
+      </p:sp>
+      <p:sp>
+        <p:nvSpPr>
+          <p:cNvPr id="10" name="Rectangle 9"/>
+          <p:cNvSpPr/>
+          <p:nvPr/>
+        </p:nvSpPr>
+        <p:spPr>
+          <a:xfrm>
+            <a:off x="6026254" y="1295772"/>
+            <a:ext cx="2557223" cy="576020"/>
+          </a:xfrm>
+          <a:prstGeom prst="rect">
+            <a:avLst/>
+          </a:prstGeom>
+          <a:solidFill>
+            <a:schemeClr val="bg1"/>
+          </a:solidFill>
+        </p:spPr>
+        <p:style>
+          <a:lnRef idx="2">
+            <a:schemeClr val="accent1">
+              <a:shade val="50000"/>
+            </a:schemeClr>
+          </a:lnRef>
+          <a:fillRef idx="1">
+            <a:schemeClr val="accent1"/>
+          </a:fillRef>
+          <a:effectRef idx="0">
+            <a:schemeClr val="accent1"/>
+          </a:effectRef>
+          <a:fontRef idx="minor">
+            <a:schemeClr val="lt1"/>
+          </a:fontRef>
+        </p:style>
+        <p:txBody>
+          <a:bodyPr rtlCol="0" anchor="ctr"/>
+          <a:lstStyle/>
+          <a:p>
+            <a:pPr algn="ctr"/>
+            <a:r>
+              <a:rPr lang="en-US" dirty="0" err="1" smtClean="0">
+                <a:solidFill>
+                  <a:schemeClr val="tx1"/>
+                </a:solidFill>
+                <a:hlinkClick r:id="rId2"/>
+              </a:rPr>
+              <a:t>db</a:t>
+            </a:r>
+            <a:r>
+              <a:rPr lang="en-US" dirty="0" smtClean="0">
+                <a:solidFill>
+                  <a:schemeClr val="tx1"/>
+                </a:solidFill>
+                <a:hlinkClick r:id="rId2"/>
+              </a:rPr>
+              <a:t>/models/base.py#L383</a:t>
+            </a:r>
+            <a:endParaRPr lang="en-US" dirty="0">
+              <a:solidFill>
+                <a:schemeClr val="tx1"/>
+              </a:solidFill>
+            </a:endParaRPr>
+          </a:p>
+        </p:txBody>
+      </p:sp>
+      <p:sp>
+        <p:nvSpPr>
+          <p:cNvPr id="11" name="TextBox 10"/>
+          <p:cNvSpPr txBox="1"/>
+          <p:nvPr/>
+        </p:nvSpPr>
+        <p:spPr>
+          <a:xfrm>
+            <a:off x="8945101" y="792731"/>
+            <a:ext cx="2880917" cy="1015663"/>
+          </a:xfrm>
+          <a:prstGeom prst="rect">
+            <a:avLst/>
+          </a:prstGeom>
+          <a:noFill/>
+          <a:ln>
+            <a:solidFill>
+              <a:schemeClr val="accent1"/>
+            </a:solidFill>
+          </a:ln>
+        </p:spPr>
+        <p:txBody>
+          <a:bodyPr wrap="none" rtlCol="0">
+            <a:spAutoFit/>
+          </a:bodyPr>
+          <a:lstStyle/>
+          <a:p>
+            <a:r>
+              <a:rPr lang="en-US" sz="1200" b="1" dirty="0" err="1" smtClean="0">
+                <a:latin typeface="Andale Mono" charset="0"/>
+                <a:ea typeface="Andale Mono" charset="0"/>
+                <a:cs typeface="Andale Mono" charset="0"/>
+              </a:rPr>
+              <a:t>models.py</a:t>
+            </a:r>
+            <a:r>
+              <a:rPr lang="en-US" sz="1200" b="1" dirty="0" smtClean="0">
+                <a:latin typeface="Andale Mono" charset="0"/>
+                <a:ea typeface="Andale Mono" charset="0"/>
+                <a:cs typeface="Andale Mono" charset="0"/>
+              </a:rPr>
+              <a:t>: </a:t>
+            </a:r>
+          </a:p>
+          <a:p>
+            <a:endParaRPr lang="en-US" sz="1200" dirty="0" smtClean="0">
+              <a:latin typeface="Andale Mono" charset="0"/>
+              <a:ea typeface="Andale Mono" charset="0"/>
+              <a:cs typeface="Andale Mono" charset="0"/>
+            </a:endParaRPr>
+          </a:p>
+          <a:p>
+            <a:r>
+              <a:rPr lang="en-US" sz="1200" dirty="0" smtClean="0">
+                <a:latin typeface="Andale Mono" charset="0"/>
+                <a:ea typeface="Andale Mono" charset="0"/>
+                <a:cs typeface="Andale Mono" charset="0"/>
+              </a:rPr>
+              <a:t>class </a:t>
+            </a:r>
+            <a:r>
+              <a:rPr lang="en-US" sz="1200" dirty="0">
+                <a:latin typeface="Andale Mono" charset="0"/>
+                <a:ea typeface="Andale Mono" charset="0"/>
+                <a:cs typeface="Andale Mono" charset="0"/>
+              </a:rPr>
+              <a:t>Question(</a:t>
+            </a:r>
+            <a:r>
+              <a:rPr lang="en-US" sz="1200" dirty="0" err="1">
+                <a:latin typeface="Andale Mono" charset="0"/>
+                <a:ea typeface="Andale Mono" charset="0"/>
+                <a:cs typeface="Andale Mono" charset="0"/>
+              </a:rPr>
+              <a:t>models.Model</a:t>
+            </a:r>
+            <a:r>
+              <a:rPr lang="en-US" sz="1200" dirty="0">
+                <a:latin typeface="Andale Mono" charset="0"/>
+                <a:ea typeface="Andale Mono" charset="0"/>
+                <a:cs typeface="Andale Mono" charset="0"/>
+              </a:rPr>
+              <a:t>):</a:t>
+            </a:r>
+          </a:p>
+          <a:p>
+            <a:r>
+              <a:rPr lang="en-US" sz="1200" dirty="0">
+                <a:latin typeface="Andale Mono" charset="0"/>
+                <a:ea typeface="Andale Mono" charset="0"/>
+                <a:cs typeface="Andale Mono" charset="0"/>
+              </a:rPr>
+              <a:t>    </a:t>
+            </a:r>
+            <a:r>
+              <a:rPr lang="en-US" sz="1200" dirty="0" err="1">
+                <a:latin typeface="Andale Mono" charset="0"/>
+                <a:ea typeface="Andale Mono" charset="0"/>
+                <a:cs typeface="Andale Mono" charset="0"/>
+              </a:rPr>
+              <a:t>question_text</a:t>
+            </a:r>
+            <a:r>
+              <a:rPr lang="en-US" sz="1200" dirty="0">
+                <a:latin typeface="Andale Mono" charset="0"/>
+                <a:ea typeface="Andale Mono" charset="0"/>
+                <a:cs typeface="Andale Mono" charset="0"/>
+              </a:rPr>
+              <a:t> </a:t>
+            </a:r>
+            <a:r>
+              <a:rPr lang="en-US" sz="1200" dirty="0" smtClean="0">
+                <a:latin typeface="Andale Mono" charset="0"/>
+                <a:ea typeface="Andale Mono" charset="0"/>
+                <a:cs typeface="Andale Mono" charset="0"/>
+              </a:rPr>
+              <a:t>= </a:t>
+            </a:r>
+            <a:r>
+              <a:rPr lang="mr-IN" sz="1200" dirty="0" smtClean="0">
+                <a:latin typeface="Andale Mono" charset="0"/>
+                <a:ea typeface="Andale Mono" charset="0"/>
+                <a:cs typeface="Andale Mono" charset="0"/>
+              </a:rPr>
+              <a:t>…</a:t>
+            </a:r>
+            <a:r>
+              <a:rPr lang="en-US" sz="1200" dirty="0" smtClean="0">
+                <a:latin typeface="Andale Mono" charset="0"/>
+                <a:ea typeface="Andale Mono" charset="0"/>
+                <a:cs typeface="Andale Mono" charset="0"/>
+              </a:rPr>
+              <a:t>.</a:t>
+            </a:r>
+            <a:endParaRPr lang="en-US" sz="1200" dirty="0">
+              <a:latin typeface="Andale Mono" charset="0"/>
+              <a:ea typeface="Andale Mono" charset="0"/>
+              <a:cs typeface="Andale Mono" charset="0"/>
+            </a:endParaRPr>
+          </a:p>
+          <a:p>
+            <a:endParaRPr lang="en-US" sz="1200" dirty="0">
+              <a:latin typeface="Andale Mono" charset="0"/>
+              <a:ea typeface="Andale Mono" charset="0"/>
+              <a:cs typeface="Andale Mono" charset="0"/>
+            </a:endParaRPr>
+          </a:p>
+        </p:txBody>
+      </p:sp>
+      <p:sp>
+        <p:nvSpPr>
+          <p:cNvPr id="12" name="Rectangle 11"/>
+          <p:cNvSpPr/>
+          <p:nvPr/>
+        </p:nvSpPr>
+        <p:spPr>
+          <a:xfrm>
+            <a:off x="6026254" y="3775735"/>
+            <a:ext cx="2557223" cy="576020"/>
+          </a:xfrm>
+          <a:prstGeom prst="rect">
+            <a:avLst/>
+          </a:prstGeom>
+          <a:solidFill>
+            <a:schemeClr val="bg1"/>
+          </a:solidFill>
+        </p:spPr>
+        <p:style>
+          <a:lnRef idx="2">
+            <a:schemeClr val="accent1">
+              <a:shade val="50000"/>
+            </a:schemeClr>
+          </a:lnRef>
+          <a:fillRef idx="1">
+            <a:schemeClr val="accent1"/>
+          </a:fillRef>
+          <a:effectRef idx="0">
+            <a:schemeClr val="accent1"/>
+          </a:effectRef>
+          <a:fontRef idx="minor">
+            <a:schemeClr val="lt1"/>
+          </a:fontRef>
+        </p:style>
+        <p:txBody>
+          <a:bodyPr rtlCol="0" anchor="ctr"/>
+          <a:lstStyle/>
+          <a:p>
+            <a:pPr algn="ctr"/>
+            <a:r>
+              <a:rPr lang="en-US" dirty="0" smtClean="0">
+                <a:solidFill>
+                  <a:schemeClr val="tx1"/>
+                </a:solidFill>
+                <a:hlinkClick r:id="rId3"/>
+              </a:rPr>
+              <a:t>http/response.py#L279</a:t>
+            </a:r>
+            <a:endParaRPr lang="en-US" dirty="0">
+              <a:solidFill>
+                <a:schemeClr val="tx1"/>
+              </a:solidFill>
+            </a:endParaRPr>
+          </a:p>
+        </p:txBody>
+      </p:sp>
+      <p:sp>
+        <p:nvSpPr>
+          <p:cNvPr id="13" name="TextBox 12"/>
+          <p:cNvSpPr txBox="1"/>
+          <p:nvPr/>
+        </p:nvSpPr>
+        <p:spPr>
+          <a:xfrm>
+            <a:off x="8945101" y="2190033"/>
+            <a:ext cx="2880917" cy="1200329"/>
+          </a:xfrm>
+          <a:prstGeom prst="rect">
+            <a:avLst/>
+          </a:prstGeom>
+          <a:noFill/>
+          <a:ln>
+            <a:solidFill>
+              <a:schemeClr val="accent1"/>
+            </a:solidFill>
+          </a:ln>
+        </p:spPr>
+        <p:txBody>
+          <a:bodyPr wrap="square" rtlCol="0">
+            <a:spAutoFit/>
+          </a:bodyPr>
+          <a:lstStyle/>
+          <a:p>
+            <a:r>
+              <a:rPr lang="en-US" sz="1200" b="1" dirty="0" err="1" smtClean="0">
+                <a:latin typeface="Andale Mono" charset="0"/>
+                <a:ea typeface="Andale Mono" charset="0"/>
+                <a:cs typeface="Andale Mono" charset="0"/>
+              </a:rPr>
+              <a:t>urls.py</a:t>
+            </a:r>
+            <a:r>
+              <a:rPr lang="en-US" sz="1200" b="1" dirty="0" smtClean="0">
+                <a:latin typeface="Andale Mono" charset="0"/>
+                <a:ea typeface="Andale Mono" charset="0"/>
+                <a:cs typeface="Andale Mono" charset="0"/>
+              </a:rPr>
+              <a:t>: </a:t>
+            </a:r>
+          </a:p>
+          <a:p>
+            <a:endParaRPr lang="en-US" sz="1200" dirty="0" smtClean="0">
+              <a:latin typeface="Andale Mono" charset="0"/>
+              <a:ea typeface="Andale Mono" charset="0"/>
+              <a:cs typeface="Andale Mono" charset="0"/>
+            </a:endParaRPr>
+          </a:p>
+          <a:p>
+            <a:r>
+              <a:rPr lang="en-US" sz="1200" dirty="0" err="1" smtClean="0">
+                <a:latin typeface="Andale Mono" charset="0"/>
+                <a:ea typeface="Andale Mono" charset="0"/>
+                <a:cs typeface="Andale Mono" charset="0"/>
+              </a:rPr>
+              <a:t>urlpatterns</a:t>
+            </a:r>
+            <a:r>
+              <a:rPr lang="en-US" sz="1200" dirty="0" smtClean="0">
+                <a:latin typeface="Andale Mono" charset="0"/>
+                <a:ea typeface="Andale Mono" charset="0"/>
+                <a:cs typeface="Andale Mono" charset="0"/>
+              </a:rPr>
+              <a:t> = [    </a:t>
+            </a:r>
+          </a:p>
+          <a:p>
+            <a:r>
+              <a:rPr lang="en-US" sz="1200" dirty="0">
+                <a:latin typeface="Andale Mono" charset="0"/>
+                <a:ea typeface="Andale Mono" charset="0"/>
+                <a:cs typeface="Andale Mono" charset="0"/>
+              </a:rPr>
+              <a:t> </a:t>
+            </a:r>
+            <a:r>
+              <a:rPr lang="en-US" sz="1200" dirty="0" smtClean="0">
+                <a:latin typeface="Andale Mono" charset="0"/>
+                <a:ea typeface="Andale Mono" charset="0"/>
+                <a:cs typeface="Andale Mono" charset="0"/>
+              </a:rPr>
+              <a:t> path('', </a:t>
+            </a:r>
+            <a:r>
+              <a:rPr lang="en-US" sz="1200" dirty="0" err="1" smtClean="0">
+                <a:latin typeface="Andale Mono" charset="0"/>
+                <a:ea typeface="Andale Mono" charset="0"/>
+                <a:cs typeface="Andale Mono" charset="0"/>
+              </a:rPr>
+              <a:t>views.index</a:t>
+            </a:r>
+            <a:r>
+              <a:rPr lang="en-US" sz="1200" dirty="0" smtClean="0">
+                <a:latin typeface="Andale Mono" charset="0"/>
+                <a:ea typeface="Andale Mono" charset="0"/>
+                <a:cs typeface="Andale Mono" charset="0"/>
+              </a:rPr>
+              <a:t>,</a:t>
+            </a:r>
+          </a:p>
+          <a:p>
+            <a:r>
+              <a:rPr lang="en-US" sz="1200" dirty="0">
+                <a:latin typeface="Andale Mono" charset="0"/>
+                <a:ea typeface="Andale Mono" charset="0"/>
+                <a:cs typeface="Andale Mono" charset="0"/>
+              </a:rPr>
+              <a:t> </a:t>
+            </a:r>
+            <a:r>
+              <a:rPr lang="en-US" sz="1200" dirty="0" smtClean="0">
+                <a:latin typeface="Andale Mono" charset="0"/>
+                <a:ea typeface="Andale Mono" charset="0"/>
+                <a:cs typeface="Andale Mono" charset="0"/>
+              </a:rPr>
+              <a:t>      name='index'),</a:t>
+            </a:r>
+          </a:p>
+          <a:p>
+            <a:r>
+              <a:rPr lang="en-US" sz="1200" dirty="0" smtClean="0">
+                <a:latin typeface="Andale Mono" charset="0"/>
+                <a:ea typeface="Andale Mono" charset="0"/>
+                <a:cs typeface="Andale Mono" charset="0"/>
+              </a:rPr>
+              <a:t>]</a:t>
+            </a:r>
+            <a:endParaRPr lang="en-US" sz="1200" dirty="0">
+              <a:latin typeface="Andale Mono" charset="0"/>
+              <a:ea typeface="Andale Mono" charset="0"/>
+              <a:cs typeface="Andale Mono" charset="0"/>
+            </a:endParaRPr>
+          </a:p>
+        </p:txBody>
+      </p:sp>
+      <p:sp>
+        <p:nvSpPr>
+          <p:cNvPr id="14" name="TextBox 13"/>
+          <p:cNvSpPr txBox="1"/>
+          <p:nvPr/>
+        </p:nvSpPr>
+        <p:spPr>
+          <a:xfrm>
+            <a:off x="8945101" y="3787500"/>
+            <a:ext cx="2880917" cy="830997"/>
+          </a:xfrm>
+          <a:prstGeom prst="rect">
+            <a:avLst/>
+          </a:prstGeom>
+          <a:noFill/>
+          <a:ln>
+            <a:solidFill>
+              <a:schemeClr val="accent1"/>
+            </a:solidFill>
+          </a:ln>
+        </p:spPr>
+        <p:txBody>
+          <a:bodyPr wrap="square" rtlCol="0">
+            <a:spAutoFit/>
+          </a:bodyPr>
+          <a:lstStyle/>
+          <a:p>
+            <a:r>
+              <a:rPr lang="en-US" sz="1200" b="1" dirty="0" err="1" smtClean="0">
+                <a:latin typeface="Andale Mono" charset="0"/>
+                <a:ea typeface="Andale Mono" charset="0"/>
+                <a:cs typeface="Andale Mono" charset="0"/>
+              </a:rPr>
+              <a:t>views.py</a:t>
+            </a:r>
+            <a:r>
+              <a:rPr lang="en-US" sz="1200" b="1" dirty="0" smtClean="0">
+                <a:latin typeface="Andale Mono" charset="0"/>
+                <a:ea typeface="Andale Mono" charset="0"/>
+                <a:cs typeface="Andale Mono" charset="0"/>
+              </a:rPr>
+              <a:t>: </a:t>
+            </a:r>
+          </a:p>
+          <a:p>
+            <a:endParaRPr lang="en-US" sz="1200" dirty="0" smtClean="0">
+              <a:latin typeface="Andale Mono" charset="0"/>
+              <a:ea typeface="Andale Mono" charset="0"/>
+              <a:cs typeface="Andale Mono" charset="0"/>
+            </a:endParaRPr>
+          </a:p>
+          <a:p>
+            <a:r>
+              <a:rPr lang="en-US" sz="1200" dirty="0" err="1" smtClean="0">
+                <a:latin typeface="Andale Mono" charset="0"/>
+                <a:ea typeface="Andale Mono" charset="0"/>
+                <a:cs typeface="Andale Mono" charset="0"/>
+              </a:rPr>
+              <a:t>def</a:t>
+            </a:r>
+            <a:r>
+              <a:rPr lang="en-US" sz="1200" dirty="0" smtClean="0">
+                <a:latin typeface="Andale Mono" charset="0"/>
+                <a:ea typeface="Andale Mono" charset="0"/>
+                <a:cs typeface="Andale Mono" charset="0"/>
+              </a:rPr>
+              <a:t> index(request):</a:t>
+            </a:r>
+          </a:p>
+          <a:p>
+            <a:r>
+              <a:rPr lang="en-US" sz="1200" dirty="0" smtClean="0">
+                <a:latin typeface="Andale Mono" charset="0"/>
+                <a:ea typeface="Andale Mono" charset="0"/>
+                <a:cs typeface="Andale Mono" charset="0"/>
+              </a:rPr>
+              <a:t>  return </a:t>
+            </a:r>
+            <a:r>
+              <a:rPr lang="en-US" sz="1200" dirty="0" err="1" smtClean="0">
+                <a:latin typeface="Andale Mono" charset="0"/>
+                <a:ea typeface="Andale Mono" charset="0"/>
+                <a:cs typeface="Andale Mono" charset="0"/>
+              </a:rPr>
+              <a:t>HttpResponse</a:t>
+            </a:r>
+            <a:r>
+              <a:rPr lang="en-US" sz="1200" dirty="0" smtClean="0">
+                <a:latin typeface="Andale Mono" charset="0"/>
+                <a:ea typeface="Andale Mono" charset="0"/>
+                <a:cs typeface="Andale Mono" charset="0"/>
+              </a:rPr>
+              <a:t>("Hello,</a:t>
+            </a:r>
+            <a:endParaRPr lang="en-US" sz="1200" dirty="0">
+              <a:latin typeface="Andale Mono" charset="0"/>
+              <a:ea typeface="Andale Mono" charset="0"/>
+              <a:cs typeface="Andale Mono" charset="0"/>
+            </a:endParaRPr>
+          </a:p>
+        </p:txBody>
+      </p:sp>
+      <p:sp>
+        <p:nvSpPr>
+          <p:cNvPr id="15" name="Rectangle 14"/>
+          <p:cNvSpPr/>
+          <p:nvPr/>
+        </p:nvSpPr>
+        <p:spPr>
+          <a:xfrm>
+            <a:off x="6026254" y="2467556"/>
+            <a:ext cx="2557223" cy="576020"/>
+          </a:xfrm>
+          <a:prstGeom prst="rect">
+            <a:avLst/>
+          </a:prstGeom>
+          <a:solidFill>
+            <a:schemeClr val="bg1"/>
+          </a:solidFill>
+        </p:spPr>
+        <p:style>
+          <a:lnRef idx="2">
+            <a:schemeClr val="accent1">
+              <a:shade val="50000"/>
+            </a:schemeClr>
+          </a:lnRef>
+          <a:fillRef idx="1">
+            <a:schemeClr val="accent1"/>
+          </a:fillRef>
+          <a:effectRef idx="0">
+            <a:schemeClr val="accent1"/>
+          </a:effectRef>
+          <a:fontRef idx="minor">
+            <a:schemeClr val="lt1"/>
+          </a:fontRef>
+        </p:style>
+        <p:txBody>
+          <a:bodyPr rtlCol="0" anchor="ctr"/>
+          <a:lstStyle/>
+          <a:p>
+            <a:pPr algn="ctr"/>
+            <a:r>
+              <a:rPr lang="en-US" dirty="0" err="1" smtClean="0">
+                <a:solidFill>
+                  <a:schemeClr val="tx1"/>
+                </a:solidFill>
+                <a:hlinkClick r:id="rId4"/>
+              </a:rPr>
+              <a:t>urls</a:t>
+            </a:r>
+            <a:r>
+              <a:rPr lang="en-US" dirty="0" smtClean="0">
+                <a:solidFill>
+                  <a:schemeClr val="tx1"/>
+                </a:solidFill>
+                <a:hlinkClick r:id="rId4"/>
+              </a:rPr>
+              <a:t>/conf.py#L57</a:t>
+            </a:r>
+            <a:endParaRPr lang="en-US" dirty="0">
+              <a:solidFill>
+                <a:schemeClr val="tx1"/>
+              </a:solidFill>
+            </a:endParaRPr>
+          </a:p>
+        </p:txBody>
+      </p:sp>
+      <p:sp>
+        <p:nvSpPr>
+          <p:cNvPr id="20" name="Vertical Scroll 19"/>
+          <p:cNvSpPr/>
+          <p:nvPr/>
+        </p:nvSpPr>
+        <p:spPr>
+          <a:xfrm>
+            <a:off x="3057041" y="146405"/>
+            <a:ext cx="1431014" cy="1069383"/>
+          </a:xfrm>
+          <a:prstGeom prst="verticalScroll">
+            <a:avLst/>
+          </a:prstGeom>
+          <a:solidFill>
+            <a:schemeClr val="accent4">
+              <a:lumMod val="50000"/>
+            </a:schemeClr>
+          </a:solidFill>
+        </p:spPr>
+        <p:style>
+          <a:lnRef idx="2">
+            <a:schemeClr val="accent1">
+              <a:shade val="50000"/>
+            </a:schemeClr>
+          </a:lnRef>
+          <a:fillRef idx="1">
+            <a:schemeClr val="accent1"/>
+          </a:fillRef>
+          <a:effectRef idx="0">
+            <a:schemeClr val="accent1"/>
+          </a:effectRef>
+          <a:fontRef idx="minor">
+            <a:schemeClr val="lt1"/>
+          </a:fontRef>
+        </p:style>
+        <p:txBody>
+          <a:bodyPr rtlCol="0" anchor="ctr"/>
+          <a:lstStyle/>
+          <a:p>
+            <a:pPr fontAlgn="base"/>
+            <a:r>
+              <a:rPr lang="en-US" dirty="0" smtClean="0"/>
+              <a:t>RFC793 </a:t>
+            </a:r>
+            <a:r>
+              <a:rPr lang="mr-IN" dirty="0" smtClean="0"/>
+              <a:t>–</a:t>
+            </a:r>
+            <a:r>
+              <a:rPr lang="en-US" dirty="0" smtClean="0"/>
+              <a:t> Transport Protocols</a:t>
+            </a:r>
+            <a:endParaRPr lang="en-US" dirty="0"/>
+          </a:p>
+        </p:txBody>
+      </p:sp>
+      <p:sp>
+        <p:nvSpPr>
+          <p:cNvPr id="21" name="Vertical Scroll 20"/>
+          <p:cNvSpPr/>
+          <p:nvPr/>
+        </p:nvSpPr>
+        <p:spPr>
+          <a:xfrm>
+            <a:off x="949271" y="142070"/>
+            <a:ext cx="1431014" cy="1069383"/>
+          </a:xfrm>
+          <a:prstGeom prst="verticalScroll">
+            <a:avLst/>
+          </a:prstGeom>
+          <a:solidFill>
+            <a:schemeClr val="accent4">
+              <a:lumMod val="50000"/>
+            </a:schemeClr>
+          </a:solidFill>
+        </p:spPr>
+        <p:style>
+          <a:lnRef idx="2">
+            <a:schemeClr val="accent1">
+              <a:shade val="50000"/>
+            </a:schemeClr>
+          </a:lnRef>
+          <a:fillRef idx="1">
+            <a:schemeClr val="accent1"/>
+          </a:fillRef>
+          <a:effectRef idx="0">
+            <a:schemeClr val="accent1"/>
+          </a:effectRef>
+          <a:fontRef idx="minor">
+            <a:schemeClr val="lt1"/>
+          </a:fontRef>
+        </p:style>
+        <p:txBody>
+          <a:bodyPr rtlCol="0" anchor="ctr"/>
+          <a:lstStyle/>
+          <a:p>
+            <a:pPr fontAlgn="base"/>
+            <a:r>
+              <a:rPr lang="en-US" dirty="0" smtClean="0"/>
+              <a:t>RFC791 </a:t>
+            </a:r>
+            <a:r>
+              <a:rPr lang="mr-IN" dirty="0" smtClean="0"/>
+              <a:t>–</a:t>
+            </a:r>
+            <a:r>
+              <a:rPr lang="en-US" dirty="0" smtClean="0"/>
+              <a:t> Internet Protocol</a:t>
+            </a:r>
+            <a:endParaRPr lang="en-US" dirty="0"/>
+          </a:p>
+        </p:txBody>
+      </p:sp>
+      <p:sp>
+        <p:nvSpPr>
+          <p:cNvPr id="22" name="Vertical Scroll 21"/>
+          <p:cNvSpPr/>
+          <p:nvPr/>
+        </p:nvSpPr>
+        <p:spPr>
+          <a:xfrm>
+            <a:off x="5818328" y="5579297"/>
+            <a:ext cx="2642465" cy="1069383"/>
+          </a:xfrm>
+          <a:prstGeom prst="verticalScroll">
+            <a:avLst/>
+          </a:prstGeom>
+          <a:solidFill>
+            <a:schemeClr val="accent4">
+              <a:lumMod val="50000"/>
+            </a:schemeClr>
+          </a:solidFill>
+        </p:spPr>
+        <p:style>
+          <a:lnRef idx="2">
+            <a:schemeClr val="accent1">
+              <a:shade val="50000"/>
+            </a:schemeClr>
+          </a:lnRef>
+          <a:fillRef idx="1">
+            <a:schemeClr val="accent1"/>
+          </a:fillRef>
+          <a:effectRef idx="0">
+            <a:schemeClr val="accent1"/>
+          </a:effectRef>
+          <a:fontRef idx="minor">
+            <a:schemeClr val="lt1"/>
+          </a:fontRef>
+        </p:style>
+        <p:txBody>
+          <a:bodyPr rtlCol="0" anchor="ctr"/>
+          <a:lstStyle/>
+          <a:p>
+            <a:pPr fontAlgn="base"/>
+            <a:r>
+              <a:rPr lang="en-US" dirty="0" smtClean="0"/>
+              <a:t>PEP 333 -- Python Web Server Gateway Interface </a:t>
+            </a:r>
+            <a:endParaRPr lang="en-US" dirty="0"/>
+          </a:p>
+        </p:txBody>
+      </p:sp>
+      <p:sp>
+        <p:nvSpPr>
+          <p:cNvPr id="23" name="Vertical Scroll 22"/>
+          <p:cNvSpPr/>
+          <p:nvPr/>
+        </p:nvSpPr>
+        <p:spPr>
+          <a:xfrm>
+            <a:off x="3057041" y="5579297"/>
+            <a:ext cx="2642465" cy="1069383"/>
+          </a:xfrm>
+          <a:prstGeom prst="verticalScroll">
+            <a:avLst/>
+          </a:prstGeom>
+          <a:solidFill>
+            <a:schemeClr val="accent4">
+              <a:lumMod val="50000"/>
+            </a:schemeClr>
+          </a:solidFill>
+        </p:spPr>
+        <p:style>
+          <a:lnRef idx="2">
+            <a:schemeClr val="accent1">
+              <a:shade val="50000"/>
+            </a:schemeClr>
+          </a:lnRef>
+          <a:fillRef idx="1">
+            <a:schemeClr val="accent1"/>
+          </a:fillRef>
+          <a:effectRef idx="0">
+            <a:schemeClr val="accent1"/>
+          </a:effectRef>
+          <a:fontRef idx="minor">
+            <a:schemeClr val="lt1"/>
+          </a:fontRef>
+        </p:style>
+        <p:txBody>
+          <a:bodyPr rtlCol="0" anchor="ctr"/>
+          <a:lstStyle/>
+          <a:p>
+            <a:pPr fontAlgn="base"/>
+            <a:r>
+              <a:rPr lang="en-US" dirty="0" smtClean="0"/>
+              <a:t>RFC2616 - </a:t>
+            </a:r>
+            <a:r>
+              <a:rPr lang="en-US" b="1" dirty="0" smtClean="0"/>
+              <a:t>Hypertext Transfer Protocol -- HTTP/1.1</a:t>
+            </a:r>
+            <a:endParaRPr lang="en-US" dirty="0"/>
+          </a:p>
+        </p:txBody>
+      </p:sp>
+      <p:cxnSp>
+        <p:nvCxnSpPr>
+          <p:cNvPr id="26" name="Straight Arrow Connector 25"/>
+          <p:cNvCxnSpPr>
+            <a:stCxn id="21" idx="2"/>
+            <a:endCxn id="4" idx="0"/>
+          </p:cNvCxnSpPr>
+          <p:nvPr/>
+        </p:nvCxnSpPr>
+        <p:spPr>
+          <a:xfrm>
+            <a:off x="1664778" y="1211453"/>
+            <a:ext cx="2075479" cy="927313"/>
+          </a:xfrm>
+          <a:prstGeom prst="straightConnector1">
+            <a:avLst/>
+          </a:prstGeom>
+          <a:ln w="44450">
+            <a:tailEnd type="triangle"/>
+          </a:ln>
+        </p:spPr>
+        <p:style>
+          <a:lnRef idx="1">
+            <a:schemeClr val="accent1"/>
+          </a:lnRef>
+          <a:fillRef idx="0">
+            <a:schemeClr val="accent1"/>
+          </a:fillRef>
+          <a:effectRef idx="0">
+            <a:schemeClr val="accent1"/>
+          </a:effectRef>
+          <a:fontRef idx="minor">
+            <a:schemeClr val="tx1"/>
+          </a:fontRef>
+        </p:style>
+      </p:cxnSp>
+      <p:cxnSp>
+        <p:nvCxnSpPr>
+          <p:cNvPr id="34" name="Straight Arrow Connector 33"/>
+          <p:cNvCxnSpPr>
+            <a:stCxn id="21" idx="2"/>
+            <a:endCxn id="5" idx="0"/>
+          </p:cNvCxnSpPr>
+          <p:nvPr/>
+        </p:nvCxnSpPr>
+        <p:spPr>
+          <a:xfrm flipH="1">
+            <a:off x="949271" y="1211453"/>
+            <a:ext cx="715507" cy="989305"/>
+          </a:xfrm>
+          <a:prstGeom prst="straightConnector1">
+            <a:avLst/>
+          </a:prstGeom>
+          <a:ln w="44450">
+            <a:tailEnd type="triangle"/>
+          </a:ln>
+        </p:spPr>
+        <p:style>
+          <a:lnRef idx="1">
+            <a:schemeClr val="accent1"/>
+          </a:lnRef>
+          <a:fillRef idx="0">
+            <a:schemeClr val="accent1"/>
+          </a:fillRef>
+          <a:effectRef idx="0">
+            <a:schemeClr val="accent1"/>
+          </a:effectRef>
+          <a:fontRef idx="minor">
+            <a:schemeClr val="tx1"/>
+          </a:fontRef>
+        </p:style>
+      </p:cxnSp>
+      <p:cxnSp>
+        <p:nvCxnSpPr>
+          <p:cNvPr id="37" name="Straight Arrow Connector 36"/>
+          <p:cNvCxnSpPr>
+            <a:stCxn id="20" idx="2"/>
+            <a:endCxn id="5" idx="0"/>
+          </p:cNvCxnSpPr>
+          <p:nvPr/>
+        </p:nvCxnSpPr>
+        <p:spPr>
+          <a:xfrm flipH="1">
+            <a:off x="949271" y="1215788"/>
+            <a:ext cx="2823277" cy="984970"/>
+          </a:xfrm>
+          <a:prstGeom prst="straightConnector1">
+            <a:avLst/>
+          </a:prstGeom>
+          <a:ln w="44450">
+            <a:tailEnd type="triangle"/>
+          </a:ln>
+        </p:spPr>
+        <p:style>
+          <a:lnRef idx="1">
+            <a:schemeClr val="accent1"/>
+          </a:lnRef>
+          <a:fillRef idx="0">
+            <a:schemeClr val="accent1"/>
+          </a:fillRef>
+          <a:effectRef idx="0">
+            <a:schemeClr val="accent1"/>
+          </a:effectRef>
+          <a:fontRef idx="minor">
+            <a:schemeClr val="tx1"/>
+          </a:fontRef>
+        </p:style>
+      </p:cxnSp>
+      <p:cxnSp>
+        <p:nvCxnSpPr>
+          <p:cNvPr id="40" name="Straight Arrow Connector 39"/>
+          <p:cNvCxnSpPr>
+            <a:stCxn id="20" idx="2"/>
+            <a:endCxn id="4" idx="0"/>
+          </p:cNvCxnSpPr>
+          <p:nvPr/>
+        </p:nvCxnSpPr>
+        <p:spPr>
+          <a:xfrm flipH="1">
+            <a:off x="3740257" y="1215788"/>
+            <a:ext cx="32291" cy="922978"/>
+          </a:xfrm>
+          <a:prstGeom prst="straightConnector1">
+            <a:avLst/>
+          </a:prstGeom>
+          <a:ln w="44450">
+            <a:tailEnd type="triangle"/>
+          </a:ln>
+        </p:spPr>
+        <p:style>
+          <a:lnRef idx="1">
+            <a:schemeClr val="accent1"/>
+          </a:lnRef>
+          <a:fillRef idx="0">
+            <a:schemeClr val="accent1"/>
+          </a:fillRef>
+          <a:effectRef idx="0">
+            <a:schemeClr val="accent1"/>
+          </a:effectRef>
+          <a:fontRef idx="minor">
+            <a:schemeClr val="tx1"/>
+          </a:fontRef>
+        </p:style>
+      </p:cxnSp>
+      <p:cxnSp>
+        <p:nvCxnSpPr>
+          <p:cNvPr id="45" name="Straight Arrow Connector 44"/>
+          <p:cNvCxnSpPr>
+            <a:stCxn id="23" idx="0"/>
+            <a:endCxn id="8" idx="2"/>
+          </p:cNvCxnSpPr>
+          <p:nvPr/>
+        </p:nvCxnSpPr>
+        <p:spPr>
+          <a:xfrm flipV="1">
+            <a:off x="4378274" y="4974953"/>
+            <a:ext cx="2926592" cy="604344"/>
+          </a:xfrm>
+          <a:prstGeom prst="straightConnector1">
+            <a:avLst/>
+          </a:prstGeom>
+          <a:ln w="44450">
+            <a:tailEnd type="triangle"/>
+          </a:ln>
+        </p:spPr>
+        <p:style>
+          <a:lnRef idx="1">
+            <a:schemeClr val="accent1"/>
+          </a:lnRef>
+          <a:fillRef idx="0">
+            <a:schemeClr val="accent1"/>
+          </a:fillRef>
+          <a:effectRef idx="0">
+            <a:schemeClr val="accent1"/>
+          </a:effectRef>
+          <a:fontRef idx="minor">
+            <a:schemeClr val="tx1"/>
+          </a:fontRef>
+        </p:style>
+      </p:cxnSp>
+      <p:cxnSp>
+        <p:nvCxnSpPr>
+          <p:cNvPr id="48" name="Straight Arrow Connector 47"/>
+          <p:cNvCxnSpPr>
+            <a:stCxn id="22" idx="0"/>
+            <a:endCxn id="8" idx="2"/>
+          </p:cNvCxnSpPr>
+          <p:nvPr/>
+        </p:nvCxnSpPr>
+        <p:spPr>
+          <a:xfrm flipV="1">
+            <a:off x="7139561" y="4974953"/>
+            <a:ext cx="165305" cy="604344"/>
+          </a:xfrm>
+          <a:prstGeom prst="straightConnector1">
+            <a:avLst/>
+          </a:prstGeom>
+          <a:ln w="44450">
+            <a:tailEnd type="triangle"/>
+          </a:ln>
+        </p:spPr>
+        <p:style>
+          <a:lnRef idx="1">
+            <a:schemeClr val="accent1"/>
+          </a:lnRef>
+          <a:fillRef idx="0">
+            <a:schemeClr val="accent1"/>
+          </a:fillRef>
+          <a:effectRef idx="0">
+            <a:schemeClr val="accent1"/>
+          </a:effectRef>
+          <a:fontRef idx="minor">
+            <a:schemeClr val="tx1"/>
+          </a:fontRef>
+        </p:style>
+      </p:cxnSp>
+      <p:sp>
+        <p:nvSpPr>
+          <p:cNvPr id="58" name="Left-Right Arrow 57"/>
+          <p:cNvSpPr/>
+          <p:nvPr/>
+        </p:nvSpPr>
+        <p:spPr>
+          <a:xfrm>
+            <a:off x="1549831" y="2616084"/>
+            <a:ext cx="1570493" cy="437083"/>
+          </a:xfrm>
+          <a:prstGeom prst="leftRightArrow">
+            <a:avLst/>
+          </a:prstGeom>
+          <a:solidFill>
+            <a:schemeClr val="bg1"/>
+          </a:solidFill>
+        </p:spPr>
+        <p:style>
+          <a:lnRef idx="2">
+            <a:schemeClr val="accent1">
+              <a:shade val="50000"/>
+            </a:schemeClr>
+          </a:lnRef>
+          <a:fillRef idx="1">
+            <a:schemeClr val="accent1"/>
+          </a:fillRef>
+          <a:effectRef idx="0">
+            <a:schemeClr val="accent1"/>
+          </a:effectRef>
+          <a:fontRef idx="minor">
+            <a:schemeClr val="lt1"/>
+          </a:fontRef>
+        </p:style>
+        <p:txBody>
+          <a:bodyPr rtlCol="0" anchor="ctr"/>
+          <a:lstStyle/>
+          <a:p>
+            <a:pPr algn="ctr"/>
+            <a:endParaRPr lang="en-US"/>
+          </a:p>
+        </p:txBody>
+      </p:sp>
+      <p:sp>
+        <p:nvSpPr>
+          <p:cNvPr id="6" name="Cloud 5"/>
+          <p:cNvSpPr/>
+          <p:nvPr/>
+        </p:nvSpPr>
+        <p:spPr>
+          <a:xfrm>
+            <a:off x="1877877" y="2383240"/>
+            <a:ext cx="914400" cy="914400"/>
+          </a:xfrm>
+          <a:prstGeom prst="cloud">
+            <a:avLst/>
+          </a:prstGeom>
+          <a:solidFill>
+            <a:schemeClr val="bg1"/>
+          </a:solidFill>
+        </p:spPr>
+        <p:style>
+          <a:lnRef idx="2">
+            <a:schemeClr val="accent1">
+              <a:shade val="50000"/>
+            </a:schemeClr>
+          </a:lnRef>
+          <a:fillRef idx="1">
+            <a:schemeClr val="accent1"/>
+          </a:fillRef>
+          <a:effectRef idx="0">
+            <a:schemeClr val="accent1"/>
+          </a:effectRef>
+          <a:fontRef idx="minor">
+            <a:schemeClr val="lt1"/>
+          </a:fontRef>
+        </p:style>
+        <p:txBody>
+          <a:bodyPr rtlCol="0" anchor="ctr"/>
+          <a:lstStyle/>
+          <a:p>
+            <a:pPr algn="ctr"/>
+            <a:endParaRPr lang="en-US"/>
+          </a:p>
+        </p:txBody>
+      </p:sp>
+      <p:cxnSp>
+        <p:nvCxnSpPr>
+          <p:cNvPr id="59" name="Straight Arrow Connector 58"/>
+          <p:cNvCxnSpPr>
+            <a:stCxn id="10" idx="3"/>
+          </p:cNvCxnSpPr>
+          <p:nvPr/>
+        </p:nvCxnSpPr>
+        <p:spPr>
+          <a:xfrm flipV="1">
+            <a:off x="8583477" y="1378053"/>
+            <a:ext cx="361624" cy="205729"/>
+          </a:xfrm>
+          <a:prstGeom prst="straightConnector1">
+            <a:avLst/>
+          </a:prstGeom>
+          <a:ln w="44450">
+            <a:solidFill>
+              <a:schemeClr val="accent2">
+                <a:lumMod val="50000"/>
+              </a:schemeClr>
+            </a:solidFill>
+            <a:tailEnd type="triangle"/>
+          </a:ln>
+        </p:spPr>
+        <p:style>
+          <a:lnRef idx="1">
+            <a:schemeClr val="accent1"/>
+          </a:lnRef>
+          <a:fillRef idx="0">
+            <a:schemeClr val="accent1"/>
+          </a:fillRef>
+          <a:effectRef idx="0">
+            <a:schemeClr val="accent1"/>
+          </a:effectRef>
+          <a:fontRef idx="minor">
+            <a:schemeClr val="tx1"/>
+          </a:fontRef>
+        </p:style>
+      </p:cxnSp>
+      <p:cxnSp>
+        <p:nvCxnSpPr>
+          <p:cNvPr id="63" name="Straight Arrow Connector 62"/>
+          <p:cNvCxnSpPr>
+            <a:stCxn id="15" idx="3"/>
+          </p:cNvCxnSpPr>
+          <p:nvPr/>
+        </p:nvCxnSpPr>
+        <p:spPr>
+          <a:xfrm>
+            <a:off x="8583477" y="2755566"/>
+            <a:ext cx="361624" cy="112122"/>
+          </a:xfrm>
+          <a:prstGeom prst="straightConnector1">
+            <a:avLst/>
+          </a:prstGeom>
+          <a:ln w="44450">
+            <a:solidFill>
+              <a:schemeClr val="accent2">
+                <a:lumMod val="50000"/>
+              </a:schemeClr>
+            </a:solidFill>
+            <a:tailEnd type="triangle"/>
+          </a:ln>
+        </p:spPr>
+        <p:style>
+          <a:lnRef idx="1">
+            <a:schemeClr val="accent1"/>
+          </a:lnRef>
+          <a:fillRef idx="0">
+            <a:schemeClr val="accent1"/>
+          </a:fillRef>
+          <a:effectRef idx="0">
+            <a:schemeClr val="accent1"/>
+          </a:effectRef>
+          <a:fontRef idx="minor">
+            <a:schemeClr val="tx1"/>
+          </a:fontRef>
+        </p:style>
+      </p:cxnSp>
+      <p:cxnSp>
+        <p:nvCxnSpPr>
+          <p:cNvPr id="67" name="Straight Arrow Connector 66"/>
+          <p:cNvCxnSpPr>
+            <a:stCxn id="12" idx="3"/>
+          </p:cNvCxnSpPr>
+          <p:nvPr/>
+        </p:nvCxnSpPr>
+        <p:spPr>
+          <a:xfrm>
+            <a:off x="8583477" y="4063745"/>
+            <a:ext cx="361624" cy="216744"/>
+          </a:xfrm>
+          <a:prstGeom prst="straightConnector1">
+            <a:avLst/>
+          </a:prstGeom>
+          <a:ln w="44450">
+            <a:solidFill>
+              <a:schemeClr val="accent2">
+                <a:lumMod val="50000"/>
+              </a:schemeClr>
+            </a:solidFill>
+            <a:tailEnd type="triangle"/>
+          </a:ln>
+        </p:spPr>
+        <p:style>
+          <a:lnRef idx="1">
+            <a:schemeClr val="accent1"/>
+          </a:lnRef>
+          <a:fillRef idx="0">
+            <a:schemeClr val="accent1"/>
+          </a:fillRef>
+          <a:effectRef idx="0">
+            <a:schemeClr val="accent1"/>
+          </a:effectRef>
+          <a:fontRef idx="minor">
+            <a:schemeClr val="tx1"/>
+          </a:fontRef>
+        </p:style>
+      </p:cxnSp>
+      <p:cxnSp>
+        <p:nvCxnSpPr>
+          <p:cNvPr id="74" name="Straight Arrow Connector 73"/>
+          <p:cNvCxnSpPr>
+            <a:stCxn id="7" idx="3"/>
+            <a:endCxn id="8" idx="1"/>
+          </p:cNvCxnSpPr>
+          <p:nvPr/>
+        </p:nvCxnSpPr>
+        <p:spPr>
+          <a:xfrm flipV="1">
+            <a:off x="5664630" y="2806483"/>
+            <a:ext cx="266052" cy="9045"/>
+          </a:xfrm>
+          <a:prstGeom prst="straightConnector1">
+            <a:avLst/>
+          </a:prstGeom>
+          <a:ln w="44450">
+            <a:tailEnd type="triangle"/>
+          </a:ln>
+        </p:spPr>
+        <p:style>
+          <a:lnRef idx="1">
+            <a:schemeClr val="accent1"/>
+          </a:lnRef>
+          <a:fillRef idx="0">
+            <a:schemeClr val="accent1"/>
+          </a:fillRef>
+          <a:effectRef idx="0">
+            <a:schemeClr val="accent1"/>
+          </a:effectRef>
+          <a:fontRef idx="minor">
+            <a:schemeClr val="tx1"/>
+          </a:fontRef>
+        </p:style>
+      </p:cxnSp>
+      <p:cxnSp>
+        <p:nvCxnSpPr>
+          <p:cNvPr id="78" name="Straight Arrow Connector 77"/>
+          <p:cNvCxnSpPr>
+            <a:endCxn id="7" idx="1"/>
+          </p:cNvCxnSpPr>
+          <p:nvPr/>
+        </p:nvCxnSpPr>
+        <p:spPr>
+          <a:xfrm>
+            <a:off x="4231037" y="2815528"/>
+            <a:ext cx="333213" cy="0"/>
+          </a:xfrm>
+          <a:prstGeom prst="straightConnector1">
+            <a:avLst/>
+          </a:prstGeom>
+          <a:ln w="44450">
+            <a:tailEnd type="triangle"/>
+          </a:ln>
+        </p:spPr>
+        <p:style>
+          <a:lnRef idx="1">
+            <a:schemeClr val="accent1"/>
+          </a:lnRef>
+          <a:fillRef idx="0">
+            <a:schemeClr val="accent1"/>
+          </a:fillRef>
+          <a:effectRef idx="0">
+            <a:schemeClr val="accent1"/>
+          </a:effectRef>
+          <a:fontRef idx="minor">
+            <a:schemeClr val="tx1"/>
+          </a:fontRef>
+        </p:style>
+      </p:cxnSp>
+    </p:spTree>
+    <p:extLst>
+      <p:ext uri="{BB962C8B-B14F-4D97-AF65-F5344CB8AC3E}">
+        <p14:creationId xmlns:p14="http://schemas.microsoft.com/office/powerpoint/2010/main" val="1993783357"/>
+      </p:ext>
+    </p:extLst>
+  </p:cSld>
+  <p:clrMapOvr>
+    <a:masterClrMapping/>
+  </p:clrMapOvr>
+  <p:timing>
+    <p:tnLst>
+      <p:par>
+        <p:cTn id="1" dur="indefinite" restart="never" nodeType="tmRoot"/>
+      </p:par>
+    </p:tnLst>
+  </p:timing>
 </p:sld>
 </file>
 
